--- a/Abhishek_Assignment.pptx
+++ b/Abhishek_Assignment.pptx
@@ -18,9 +18,8 @@
     <p:sldId id="268" r:id="rId12"/>
     <p:sldId id="269" r:id="rId13"/>
     <p:sldId id="270" r:id="rId14"/>
-    <p:sldId id="271" r:id="rId15"/>
+    <p:sldId id="272" r:id="rId15"/>
     <p:sldId id="258" r:id="rId16"/>
-    <p:sldId id="260" r:id="rId17"/>
   </p:sldIdLst>
   <p:sldSz cx="9144000" cy="5143500" type="screen16x9"/>
   <p:notesSz cx="6858000" cy="9144000"/>
@@ -3633,33 +3632,53 @@
         </p:nvSpPr>
         <p:spPr>
           <a:xfrm>
-            <a:off x="1670605" y="2724455"/>
-            <a:ext cx="7024430" cy="1383823"/>
-          </a:xfrm>
-        </p:spPr>
-        <p:txBody>
-          <a:bodyPr/>
-          <a:lstStyle/>
-          <a:p>
-            <a:endParaRPr lang="en-US" dirty="0"/>
-          </a:p>
-        </p:txBody>
-      </p:sp>
-      <p:sp>
-        <p:nvSpPr>
-          <p:cNvPr id="3" name="Subtitle 2"/>
-          <p:cNvSpPr>
-            <a:spLocks noGrp="1"/>
-          </p:cNvSpPr>
-          <p:nvPr>
-            <p:ph type="subTitle" idx="1"/>
-          </p:nvPr>
-        </p:nvSpPr>
-        <p:spPr/>
-        <p:txBody>
-          <a:bodyPr/>
-          <a:lstStyle/>
-          <a:p>
+            <a:off x="1670605" y="3182570"/>
+            <a:ext cx="7024430" cy="925708"/>
+          </a:xfrm>
+        </p:spPr>
+        <p:txBody>
+          <a:bodyPr>
+            <a:normAutofit fontScale="90000"/>
+          </a:bodyPr>
+          <a:lstStyle/>
+          <a:p>
+            <a:r>
+              <a:rPr lang="en-IN" dirty="0" smtClean="0"/>
+              <a:t>	Diabetes </a:t>
+            </a:r>
+            <a:r>
+              <a:rPr lang="en-IN" dirty="0"/>
+              <a:t>Data Analysis</a:t>
+            </a:r>
+            <a:br>
+              <a:rPr lang="en-IN" dirty="0"/>
+            </a:br>
+            <a:r>
+              <a:rPr lang="en-IN" dirty="0"/>
+              <a:t/>
+            </a:r>
+            <a:br>
+              <a:rPr lang="en-IN" dirty="0"/>
+            </a:br>
+            <a:r>
+              <a:rPr lang="en-IN" dirty="0"/>
+              <a:t>	</a:t>
+            </a:r>
+            <a:r>
+              <a:rPr lang="en-IN" dirty="0" smtClean="0"/>
+              <a:t>				</a:t>
+            </a:r>
+            <a:r>
+              <a:rPr lang="en-IN" dirty="0" err="1" smtClean="0"/>
+              <a:t>By:Abhishek</a:t>
+            </a:r>
+            <a:r>
+              <a:rPr lang="en-US" dirty="0"/>
+              <a:t/>
+            </a:r>
+            <a:br>
+              <a:rPr lang="en-US" dirty="0"/>
+            </a:br>
             <a:endParaRPr lang="en-US" dirty="0"/>
           </a:p>
         </p:txBody>
@@ -4068,37 +4087,206 @@
         <p:spPr/>
         <p:txBody>
           <a:bodyPr>
-            <a:normAutofit fontScale="90000"/>
+            <a:normAutofit/>
           </a:bodyPr>
           <a:lstStyle/>
           <a:p>
-            <a:endParaRPr lang="en-US"/>
-          </a:p>
-        </p:txBody>
-      </p:sp>
-      <p:sp>
-        <p:nvSpPr>
-          <p:cNvPr id="3" name="Content Placeholder 2"/>
-          <p:cNvSpPr>
-            <a:spLocks noGrp="1"/>
-          </p:cNvSpPr>
-          <p:nvPr>
-            <p:ph idx="1"/>
-          </p:nvPr>
-        </p:nvSpPr>
-        <p:spPr/>
-        <p:txBody>
-          <a:bodyPr/>
-          <a:lstStyle/>
-          <a:p>
-            <a:endParaRPr lang="en-US"/>
-          </a:p>
-        </p:txBody>
-      </p:sp>
+            <a:r>
+              <a:rPr lang="en-IN" dirty="0"/>
+              <a:t>Pivot Tables – Train vs Test</a:t>
+            </a:r>
+            <a:endParaRPr lang="en-US" dirty="0"/>
+          </a:p>
+        </p:txBody>
+      </p:sp>
+      <p:sp>
+        <p:nvSpPr>
+          <p:cNvPr id="10" name="Text Placeholder 9"/>
+          <p:cNvSpPr>
+            <a:spLocks noGrp="1"/>
+          </p:cNvSpPr>
+          <p:nvPr>
+            <p:ph type="body" idx="1"/>
+          </p:nvPr>
+        </p:nvSpPr>
+        <p:spPr>
+          <a:xfrm>
+            <a:off x="536879" y="1502816"/>
+            <a:ext cx="4040188" cy="354357"/>
+          </a:xfrm>
+        </p:spPr>
+        <p:txBody>
+          <a:bodyPr>
+            <a:normAutofit fontScale="85000" lnSpcReduction="20000"/>
+          </a:bodyPr>
+          <a:lstStyle/>
+          <a:p>
+            <a:r>
+              <a:rPr lang="en-US" dirty="0" smtClean="0"/>
+              <a:t>Train</a:t>
+            </a:r>
+            <a:endParaRPr lang="en-US" dirty="0"/>
+          </a:p>
+        </p:txBody>
+      </p:sp>
+      <p:sp>
+        <p:nvSpPr>
+          <p:cNvPr id="12" name="Text Placeholder 11"/>
+          <p:cNvSpPr>
+            <a:spLocks noGrp="1"/>
+          </p:cNvSpPr>
+          <p:nvPr>
+            <p:ph type="body" sz="quarter" idx="3"/>
+          </p:nvPr>
+        </p:nvSpPr>
+        <p:spPr>
+          <a:xfrm>
+            <a:off x="4572000" y="1493046"/>
+            <a:ext cx="4041775" cy="315179"/>
+          </a:xfrm>
+        </p:spPr>
+        <p:txBody>
+          <a:bodyPr>
+            <a:normAutofit fontScale="70000" lnSpcReduction="20000"/>
+          </a:bodyPr>
+          <a:lstStyle/>
+          <a:p>
+            <a:r>
+              <a:rPr lang="en-US" dirty="0" smtClean="0"/>
+              <a:t>Test</a:t>
+            </a:r>
+            <a:endParaRPr lang="en-US" dirty="0"/>
+          </a:p>
+        </p:txBody>
+      </p:sp>
+      <p:pic>
+        <p:nvPicPr>
+          <p:cNvPr id="14" name="Content Placeholder 13">
+            <a:extLst>
+              <a:ext uri="{FF2B5EF4-FFF2-40B4-BE49-F238E27FC236}">
+                <a16:creationId xmlns:a16="http://schemas.microsoft.com/office/drawing/2014/main" id="{C8D714CA-E548-4440-809F-4EF55F9C4BCE}"/>
+              </a:ext>
+            </a:extLst>
+          </p:cNvPr>
+          <p:cNvPicPr>
+            <a:picLocks noGrp="1" noChangeAspect="1"/>
+          </p:cNvPicPr>
+          <p:nvPr>
+            <p:ph sz="half" idx="2"/>
+          </p:nvPr>
+        </p:nvPicPr>
+        <p:blipFill>
+          <a:blip r:embed="rId2"/>
+          <a:stretch>
+            <a:fillRect/>
+          </a:stretch>
+        </p:blipFill>
+        <p:spPr>
+          <a:xfrm>
+            <a:off x="1604473" y="1808225"/>
+            <a:ext cx="1905000" cy="1590675"/>
+          </a:xfrm>
+          <a:prstGeom prst="rect">
+            <a:avLst/>
+          </a:prstGeom>
+        </p:spPr>
+      </p:pic>
+      <p:pic>
+        <p:nvPicPr>
+          <p:cNvPr id="15" name="Content Placeholder 14">
+            <a:extLst>
+              <a:ext uri="{FF2B5EF4-FFF2-40B4-BE49-F238E27FC236}">
+                <a16:creationId xmlns:a16="http://schemas.microsoft.com/office/drawing/2014/main" id="{4E4785B6-8145-4EA1-8CF8-46EAFCE99EAF}"/>
+              </a:ext>
+            </a:extLst>
+          </p:cNvPr>
+          <p:cNvPicPr>
+            <a:picLocks noGrp="1" noChangeAspect="1"/>
+          </p:cNvPicPr>
+          <p:nvPr>
+            <p:ph sz="quarter" idx="4"/>
+          </p:nvPr>
+        </p:nvPicPr>
+        <p:blipFill>
+          <a:blip r:embed="rId3"/>
+          <a:stretch>
+            <a:fillRect/>
+          </a:stretch>
+        </p:blipFill>
+        <p:spPr>
+          <a:xfrm>
+            <a:off x="5686093" y="1846325"/>
+            <a:ext cx="1876425" cy="1552575"/>
+          </a:xfrm>
+          <a:prstGeom prst="rect">
+            <a:avLst/>
+          </a:prstGeom>
+        </p:spPr>
+      </p:pic>
+      <p:pic>
+        <p:nvPicPr>
+          <p:cNvPr id="16" name="Picture 15">
+            <a:extLst>
+              <a:ext uri="{FF2B5EF4-FFF2-40B4-BE49-F238E27FC236}">
+                <a16:creationId xmlns:a16="http://schemas.microsoft.com/office/drawing/2014/main" id="{BB48D51D-5D07-4AF0-9960-E147F6BECC97}"/>
+              </a:ext>
+            </a:extLst>
+          </p:cNvPr>
+          <p:cNvPicPr>
+            <a:picLocks noChangeAspect="1"/>
+          </p:cNvPicPr>
+          <p:nvPr/>
+        </p:nvPicPr>
+        <p:blipFill>
+          <a:blip r:embed="rId4"/>
+          <a:stretch>
+            <a:fillRect/>
+          </a:stretch>
+        </p:blipFill>
+        <p:spPr>
+          <a:xfrm>
+            <a:off x="1604473" y="3484862"/>
+            <a:ext cx="1905000" cy="1533525"/>
+          </a:xfrm>
+          <a:prstGeom prst="rect">
+            <a:avLst/>
+          </a:prstGeom>
+        </p:spPr>
+      </p:pic>
+      <p:pic>
+        <p:nvPicPr>
+          <p:cNvPr id="17" name="Picture 16">
+            <a:extLst>
+              <a:ext uri="{FF2B5EF4-FFF2-40B4-BE49-F238E27FC236}">
+                <a16:creationId xmlns:a16="http://schemas.microsoft.com/office/drawing/2014/main" id="{1D632E57-9AD1-4251-9C2C-896C4B589254}"/>
+              </a:ext>
+            </a:extLst>
+          </p:cNvPr>
+          <p:cNvPicPr>
+            <a:picLocks noChangeAspect="1"/>
+          </p:cNvPicPr>
+          <p:nvPr/>
+        </p:nvPicPr>
+        <p:blipFill>
+          <a:blip r:embed="rId5"/>
+          <a:stretch>
+            <a:fillRect/>
+          </a:stretch>
+        </p:blipFill>
+        <p:spPr>
+          <a:xfrm>
+            <a:off x="5686093" y="3484861"/>
+            <a:ext cx="1876425" cy="1533525"/>
+          </a:xfrm>
+          <a:prstGeom prst="rect">
+            <a:avLst/>
+          </a:prstGeom>
+        </p:spPr>
+      </p:pic>
     </p:spTree>
     <p:extLst>
       <p:ext uri="{BB962C8B-B14F-4D97-AF65-F5344CB8AC3E}">
-        <p14:creationId xmlns:p14="http://schemas.microsoft.com/office/powerpoint/2010/main" val="2848041262"/>
+        <p14:creationId xmlns:p14="http://schemas.microsoft.com/office/powerpoint/2010/main" val="1003151095"/>
       </p:ext>
     </p:extLst>
   </p:cSld>
@@ -4171,36 +4359,6 @@
     <p:extLst>
       <p:ext uri="{BB962C8B-B14F-4D97-AF65-F5344CB8AC3E}">
         <p14:creationId xmlns:p14="http://schemas.microsoft.com/office/powerpoint/2010/main" val="4170783713"/>
-      </p:ext>
-    </p:extLst>
-  </p:cSld>
-  <p:clrMapOvr>
-    <a:masterClrMapping/>
-  </p:clrMapOvr>
-</p:sld>
-</file>
-
-<file path=ppt/slides/slide16.xml><?xml version="1.0" encoding="utf-8"?>
-<p:sld xmlns:a="http://schemas.openxmlformats.org/drawingml/2006/main" xmlns:r="http://schemas.openxmlformats.org/officeDocument/2006/relationships" xmlns:p="http://schemas.openxmlformats.org/presentationml/2006/main">
-  <p:cSld>
-    <p:spTree>
-      <p:nvGrpSpPr>
-        <p:cNvPr id="1" name=""/>
-        <p:cNvGrpSpPr/>
-        <p:nvPr/>
-      </p:nvGrpSpPr>
-      <p:grpSpPr>
-        <a:xfrm>
-          <a:off x="0" y="0"/>
-          <a:ext cx="0" cy="0"/>
-          <a:chOff x="0" y="0"/>
-          <a:chExt cx="0" cy="0"/>
-        </a:xfrm>
-      </p:grpSpPr>
-    </p:spTree>
-    <p:extLst>
-      <p:ext uri="{BB962C8B-B14F-4D97-AF65-F5344CB8AC3E}">
-        <p14:creationId xmlns:p14="http://schemas.microsoft.com/office/powerpoint/2010/main" val="1200152480"/>
       </p:ext>
     </p:extLst>
   </p:cSld>
@@ -6044,19 +6202,7 @@
             </a:pPr>
             <a:r>
               <a:rPr lang="en-US" dirty="0" smtClean="0"/>
-              <a:t>Glucose&gt;125 and &lt;200 are more prone </a:t>
-            </a:r>
-            <a:r>
-              <a:rPr lang="en-US" dirty="0" smtClean="0"/>
-              <a:t>for </a:t>
-            </a:r>
-            <a:r>
-              <a:rPr lang="en-US" dirty="0" smtClean="0"/>
-              <a:t> </a:t>
-            </a:r>
-            <a:r>
-              <a:rPr lang="en-US" dirty="0" smtClean="0"/>
-              <a:t>diabetic</a:t>
+              <a:t>Glucose&gt;125 and &lt;200 are more prone for  diabetic</a:t>
             </a:r>
             <a:endParaRPr lang="en-US" dirty="0"/>
           </a:p>
@@ -6111,11 +6257,7 @@
           <a:p>
             <a:r>
               <a:rPr lang="en-US" sz="2400" dirty="0" smtClean="0"/>
-              <a:t>Out Layer </a:t>
-            </a:r>
-            <a:r>
-              <a:rPr lang="en-US" sz="2400" dirty="0" smtClean="0"/>
-              <a:t>analysis:</a:t>
+              <a:t>Out Layer analysis:</a:t>
             </a:r>
             <a:endParaRPr lang="en-US" sz="2400" dirty="0"/>
           </a:p>
